--- a/پایگاه داده‌ها/محمدحسین هامیان/۴۰۳۲/جزوه‌ها/فصل ۱.pptx
+++ b/پایگاه داده‌ها/محمدحسین هامیان/۴۰۳۲/جزوه‌ها/فصل ۱.pptx
@@ -16130,7 +16130,7 @@
 </file>
 
 <file path=ppt/slides/slide16.xml><?xml version="1.0" encoding="utf-8"?>
-<p:sld xmlns:a="http://schemas.openxmlformats.org/drawingml/2006/main" xmlns:r="http://schemas.openxmlformats.org/officeDocument/2006/relationships" xmlns:p="http://schemas.openxmlformats.org/presentationml/2006/main" show="0">
+<p:sld xmlns:a="http://schemas.openxmlformats.org/drawingml/2006/main" xmlns:r="http://schemas.openxmlformats.org/officeDocument/2006/relationships" xmlns:p="http://schemas.openxmlformats.org/presentationml/2006/main">
   <p:cSld>
     <p:spTree>
       <p:nvGrpSpPr>
@@ -17096,31 +17096,6 @@
           </a:p>
         </p:txBody>
       </p:sp>
-      <p:sp>
-        <p:nvSpPr>
-          <p:cNvPr id="3" name="Content Placeholder 2">
-            <a:extLst>
-              <a:ext uri="{FF2B5EF4-FFF2-40B4-BE49-F238E27FC236}">
-                <a16:creationId xmlns:a16="http://schemas.microsoft.com/office/drawing/2014/main" id="{39C7CCF2-6223-40A7-F80F-F92F49B1C7F2}"/>
-              </a:ext>
-            </a:extLst>
-          </p:cNvPr>
-          <p:cNvSpPr>
-            <a:spLocks noGrp="1"/>
-          </p:cNvSpPr>
-          <p:nvPr>
-            <p:ph idx="1"/>
-          </p:nvPr>
-        </p:nvSpPr>
-        <p:spPr/>
-        <p:txBody>
-          <a:bodyPr/>
-          <a:lstStyle/>
-          <a:p>
-            <a:endParaRPr lang="en-US" dirty="0"/>
-          </a:p>
-        </p:txBody>
-      </p:sp>
       <p:pic>
         <p:nvPicPr>
           <p:cNvPr id="6" name="Picture 5">
@@ -21658,13 +21633,8 @@
             <a:pPr lvl="2"/>
             <a:r>
               <a:rPr lang="en-US" altLang="en-US" dirty="0"/>
-              <a:t>What </a:t>
-            </a:r>
-            <a:r>
-              <a:rPr lang="en-US" altLang="en-US"/>
-              <a:t>is large?</a:t>
-            </a:r>
-            <a:endParaRPr lang="en-US" altLang="en-US" dirty="0"/>
+              <a:t>What is large?</a:t>
+            </a:r>
           </a:p>
           <a:p>
             <a:pPr lvl="1"/>
